--- a/EE9 Instruments 3.pptx
+++ b/EE9 Instruments 3.pptx
@@ -5,34 +5,37 @@
     <p:sldMasterId id="2147483648" r:id="rId1"/>
   </p:sldMasterIdLst>
   <p:notesMasterIdLst>
-    <p:notesMasterId r:id="rId27"/>
+    <p:notesMasterId r:id="rId30"/>
   </p:notesMasterIdLst>
   <p:sldIdLst>
     <p:sldId id="257" r:id="rId2"/>
     <p:sldId id="298" r:id="rId3"/>
-    <p:sldId id="300" r:id="rId4"/>
-    <p:sldId id="301" r:id="rId5"/>
-    <p:sldId id="303" r:id="rId6"/>
-    <p:sldId id="302" r:id="rId7"/>
-    <p:sldId id="320" r:id="rId8"/>
-    <p:sldId id="321" r:id="rId9"/>
-    <p:sldId id="319" r:id="rId10"/>
-    <p:sldId id="299" r:id="rId11"/>
-    <p:sldId id="312" r:id="rId12"/>
-    <p:sldId id="304" r:id="rId13"/>
-    <p:sldId id="305" r:id="rId14"/>
-    <p:sldId id="306" r:id="rId15"/>
-    <p:sldId id="307" r:id="rId16"/>
-    <p:sldId id="308" r:id="rId17"/>
-    <p:sldId id="314" r:id="rId18"/>
-    <p:sldId id="313" r:id="rId19"/>
-    <p:sldId id="309" r:id="rId20"/>
-    <p:sldId id="310" r:id="rId21"/>
-    <p:sldId id="311" r:id="rId22"/>
-    <p:sldId id="315" r:id="rId23"/>
-    <p:sldId id="316" r:id="rId24"/>
-    <p:sldId id="318" r:id="rId25"/>
-    <p:sldId id="317" r:id="rId26"/>
+    <p:sldId id="324" r:id="rId4"/>
+    <p:sldId id="300" r:id="rId5"/>
+    <p:sldId id="301" r:id="rId6"/>
+    <p:sldId id="303" r:id="rId7"/>
+    <p:sldId id="302" r:id="rId8"/>
+    <p:sldId id="320" r:id="rId9"/>
+    <p:sldId id="321" r:id="rId10"/>
+    <p:sldId id="319" r:id="rId11"/>
+    <p:sldId id="299" r:id="rId12"/>
+    <p:sldId id="312" r:id="rId13"/>
+    <p:sldId id="323" r:id="rId14"/>
+    <p:sldId id="304" r:id="rId15"/>
+    <p:sldId id="305" r:id="rId16"/>
+    <p:sldId id="306" r:id="rId17"/>
+    <p:sldId id="307" r:id="rId18"/>
+    <p:sldId id="308" r:id="rId19"/>
+    <p:sldId id="314" r:id="rId20"/>
+    <p:sldId id="313" r:id="rId21"/>
+    <p:sldId id="322" r:id="rId22"/>
+    <p:sldId id="309" r:id="rId23"/>
+    <p:sldId id="310" r:id="rId24"/>
+    <p:sldId id="311" r:id="rId25"/>
+    <p:sldId id="315" r:id="rId26"/>
+    <p:sldId id="316" r:id="rId27"/>
+    <p:sldId id="318" r:id="rId28"/>
+    <p:sldId id="317" r:id="rId29"/>
   </p:sldIdLst>
   <p:sldSz cx="9144000" cy="6858000" type="screen4x3"/>
   <p:notesSz cx="6858000" cy="9144000"/>
@@ -271,7 +274,7 @@
               <a:pPr>
                 <a:defRPr/>
               </a:pPr>
-              <a:t>11/21/2019</a:t>
+              <a:t>8/24/2020</a:t>
             </a:fld>
             <a:endParaRPr lang="en-US"/>
           </a:p>
@@ -4032,94 +4035,390 @@
       </p:grpSpPr>
       <p:sp>
         <p:nvSpPr>
-          <p:cNvPr id="4098" name="Rectangle 2"/>
+          <p:cNvPr id="2" name="Title 1">
+            <a:extLst>
+              <a:ext uri="{FF2B5EF4-FFF2-40B4-BE49-F238E27FC236}">
+                <a16:creationId xmlns:a16="http://schemas.microsoft.com/office/drawing/2014/main" id="{86886737-B780-4BCE-9464-7982CBE5D748}"/>
+              </a:ext>
+            </a:extLst>
+          </p:cNvPr>
           <p:cNvSpPr>
-            <a:spLocks noGrp="1" noChangeArrowheads="1"/>
+            <a:spLocks noGrp="1"/>
           </p:cNvSpPr>
           <p:nvPr>
             <p:ph type="title"/>
           </p:nvPr>
         </p:nvSpPr>
-        <p:spPr>
-          <a:xfrm>
-            <a:off x="685800" y="0"/>
-            <a:ext cx="7772400" cy="1143000"/>
-          </a:xfrm>
-        </p:spPr>
+        <p:spPr/>
         <p:txBody>
           <a:bodyPr/>
           <a:lstStyle/>
           <a:p>
-            <a:pPr eaLnBrk="1" hangingPunct="1"/>
-            <a:r>
-              <a:rPr lang="de-DE" sz="3600" dirty="0"/>
-              <a:t>Interpretation</a:t>
-            </a:r>
-            <a:endParaRPr lang="en-GB" sz="3600" dirty="0"/>
+            <a:r>
+              <a:rPr lang="en-GB" dirty="0"/>
+              <a:t>Comparison</a:t>
+            </a:r>
           </a:p>
         </p:txBody>
       </p:sp>
-      <p:sp>
-        <p:nvSpPr>
-          <p:cNvPr id="4099" name="Rectangle 3"/>
-          <p:cNvSpPr>
-            <a:spLocks noGrp="1" noChangeArrowheads="1"/>
-          </p:cNvSpPr>
-          <p:nvPr>
-            <p:ph type="body" idx="1"/>
-          </p:nvPr>
-        </p:nvSpPr>
-        <p:spPr>
-          <a:xfrm>
-            <a:off x="688622" y="990600"/>
-            <a:ext cx="7772400" cy="4114800"/>
-          </a:xfrm>
-        </p:spPr>
-        <p:txBody>
-          <a:bodyPr/>
-          <a:lstStyle/>
-          <a:p>
-            <a:pPr eaLnBrk="1" hangingPunct="1"/>
-            <a:r>
-              <a:rPr lang="de-DE" sz="2800" dirty="0"/>
-              <a:t>In a perfect market, the pollution tax is the Pigou tax is the marginal damage done by pollution</a:t>
-            </a:r>
-          </a:p>
-          <a:p>
-            <a:pPr eaLnBrk="1" hangingPunct="1"/>
-            <a:r>
-              <a:rPr lang="de-DE" dirty="0"/>
-              <a:t>In a monopoly, if you apply the Pigou tax, output would be too low, because the monopolist suppresses demand</a:t>
-            </a:r>
-          </a:p>
-          <a:p>
-            <a:pPr eaLnBrk="1" hangingPunct="1"/>
-            <a:r>
-              <a:rPr lang="de-DE" dirty="0"/>
-              <a:t>So, you apply a lower tax, one that also reflects the parameters of the demand function</a:t>
-            </a:r>
-          </a:p>
-          <a:p>
-            <a:pPr eaLnBrk="1" hangingPunct="1"/>
-            <a:r>
-              <a:rPr lang="de-DE" sz="2800" dirty="0"/>
-              <a:t>The environmental tax serves two purposes, correcting the externality and market power</a:t>
-            </a:r>
-          </a:p>
-          <a:p>
-            <a:pPr eaLnBrk="1" hangingPunct="1"/>
-            <a:r>
-              <a:rPr lang="de-DE" dirty="0"/>
-              <a:t>The environmental tax reflects that monopolists respond differently to prices than price-takers</a:t>
-            </a:r>
-            <a:endParaRPr lang="de-DE" sz="2800" dirty="0"/>
-          </a:p>
-        </p:txBody>
-      </p:sp>
+      <mc:AlternateContent xmlns:mc="http://schemas.openxmlformats.org/markup-compatibility/2006" xmlns:a14="http://schemas.microsoft.com/office/drawing/2010/main">
+        <mc:Choice Requires="a14">
+          <p:sp>
+            <p:nvSpPr>
+              <p:cNvPr id="3" name="Content Placeholder 2">
+                <a:extLst>
+                  <a:ext uri="{FF2B5EF4-FFF2-40B4-BE49-F238E27FC236}">
+                    <a16:creationId xmlns:a16="http://schemas.microsoft.com/office/drawing/2014/main" id="{43EB6C69-6F95-45D4-ACB8-72A73FAD94A2}"/>
+                  </a:ext>
+                </a:extLst>
+              </p:cNvPr>
+              <p:cNvSpPr>
+                <a:spLocks noGrp="1"/>
+              </p:cNvSpPr>
+              <p:nvPr>
+                <p:ph idx="1"/>
+              </p:nvPr>
+            </p:nvSpPr>
+            <p:spPr>
+              <a:xfrm>
+                <a:off x="571500" y="1066800"/>
+                <a:ext cx="8001000" cy="4953000"/>
+              </a:xfrm>
+            </p:spPr>
+            <p:txBody>
+              <a:bodyPr/>
+              <a:lstStyle/>
+              <a:p>
+                <a:r>
+                  <a:rPr lang="en-GB" dirty="0"/>
+                  <a:t>Price-taker</a:t>
+                </a:r>
+              </a:p>
+              <a:p>
+                <a:pPr marL="0" indent="0" algn="ctr">
+                  <a:buNone/>
+                </a:pPr>
+                <a14:m>
+                  <m:oMathPara xmlns:m="http://schemas.openxmlformats.org/officeDocument/2006/math">
+                    <m:oMathParaPr>
+                      <m:jc m:val="centerGroup"/>
+                    </m:oMathParaPr>
+                    <m:oMath xmlns:m="http://schemas.openxmlformats.org/officeDocument/2006/math">
+                      <m:r>
+                        <a:rPr lang="en-GB" i="1">
+                          <a:latin typeface="Cambria Math" panose="02040503050406030204" pitchFamily="18" charset="0"/>
+                          <a:ea typeface="Cambria Math" panose="02040503050406030204" pitchFamily="18" charset="0"/>
+                        </a:rPr>
+                        <m:t>𝑞</m:t>
+                      </m:r>
+                      <m:r>
+                        <a:rPr lang="en-GB" i="1">
+                          <a:latin typeface="Cambria Math" panose="02040503050406030204" pitchFamily="18" charset="0"/>
+                          <a:ea typeface="Cambria Math" panose="02040503050406030204" pitchFamily="18" charset="0"/>
+                        </a:rPr>
+                        <m:t>=</m:t>
+                      </m:r>
+                      <m:f>
+                        <m:fPr>
+                          <m:ctrlPr>
+                            <a:rPr lang="en-GB" i="1">
+                              <a:latin typeface="Cambria Math" panose="02040503050406030204" pitchFamily="18" charset="0"/>
+                              <a:ea typeface="Cambria Math" panose="02040503050406030204" pitchFamily="18" charset="0"/>
+                            </a:rPr>
+                          </m:ctrlPr>
+                        </m:fPr>
+                        <m:num>
+                          <m:r>
+                            <a:rPr lang="en-GB" i="1">
+                              <a:latin typeface="Cambria Math" panose="02040503050406030204" pitchFamily="18" charset="0"/>
+                              <a:ea typeface="Cambria Math" panose="02040503050406030204" pitchFamily="18" charset="0"/>
+                            </a:rPr>
+                            <m:t>𝜋</m:t>
+                          </m:r>
+                          <m:r>
+                            <a:rPr lang="en-GB" i="1">
+                              <a:latin typeface="Cambria Math" panose="02040503050406030204" pitchFamily="18" charset="0"/>
+                              <a:ea typeface="Cambria Math" panose="02040503050406030204" pitchFamily="18" charset="0"/>
+                            </a:rPr>
+                            <m:t>−</m:t>
+                          </m:r>
+                          <m:r>
+                            <a:rPr lang="en-GB" i="1">
+                              <a:latin typeface="Cambria Math" panose="02040503050406030204" pitchFamily="18" charset="0"/>
+                              <a:ea typeface="Cambria Math" panose="02040503050406030204" pitchFamily="18" charset="0"/>
+                            </a:rPr>
+                            <m:t>𝜏</m:t>
+                          </m:r>
+                        </m:num>
+                        <m:den>
+                          <m:r>
+                            <a:rPr lang="en-GB" i="1">
+                              <a:latin typeface="Cambria Math" panose="02040503050406030204" pitchFamily="18" charset="0"/>
+                              <a:ea typeface="Cambria Math" panose="02040503050406030204" pitchFamily="18" charset="0"/>
+                            </a:rPr>
+                            <m:t>2</m:t>
+                          </m:r>
+                        </m:den>
+                      </m:f>
+                    </m:oMath>
+                  </m:oMathPara>
+                </a14:m>
+                <a:endParaRPr lang="en-GB" dirty="0"/>
+              </a:p>
+              <a:p>
+                <a:r>
+                  <a:rPr lang="en-GB" dirty="0"/>
+                  <a:t>Monopolist</a:t>
+                </a:r>
+              </a:p>
+              <a:p>
+                <a:pPr marL="0" indent="0">
+                  <a:buNone/>
+                </a:pPr>
+                <a14:m>
+                  <m:oMathPara xmlns:m="http://schemas.openxmlformats.org/officeDocument/2006/math">
+                    <m:oMathParaPr>
+                      <m:jc m:val="centerGroup"/>
+                    </m:oMathParaPr>
+                    <m:oMath xmlns:m="http://schemas.openxmlformats.org/officeDocument/2006/math">
+                      <m:r>
+                        <a:rPr lang="en-GB" i="1">
+                          <a:latin typeface="Cambria Math" panose="02040503050406030204" pitchFamily="18" charset="0"/>
+                          <a:ea typeface="Cambria Math" panose="02040503050406030204" pitchFamily="18" charset="0"/>
+                        </a:rPr>
+                        <m:t>𝑞</m:t>
+                      </m:r>
+                      <m:r>
+                        <a:rPr lang="en-GB" i="1">
+                          <a:latin typeface="Cambria Math" panose="02040503050406030204" pitchFamily="18" charset="0"/>
+                          <a:ea typeface="Cambria Math" panose="02040503050406030204" pitchFamily="18" charset="0"/>
+                        </a:rPr>
+                        <m:t>=</m:t>
+                      </m:r>
+                      <m:f>
+                        <m:fPr>
+                          <m:ctrlPr>
+                            <a:rPr lang="en-GB" i="1">
+                              <a:latin typeface="Cambria Math" panose="02040503050406030204" pitchFamily="18" charset="0"/>
+                              <a:ea typeface="Cambria Math" panose="02040503050406030204" pitchFamily="18" charset="0"/>
+                            </a:rPr>
+                          </m:ctrlPr>
+                        </m:fPr>
+                        <m:num>
+                          <m:r>
+                            <a:rPr lang="en-GB" i="1">
+                              <a:latin typeface="Cambria Math" panose="02040503050406030204" pitchFamily="18" charset="0"/>
+                              <a:ea typeface="Cambria Math" panose="02040503050406030204" pitchFamily="18" charset="0"/>
+                            </a:rPr>
+                            <m:t>𝜋</m:t>
+                          </m:r>
+                          <m:r>
+                            <a:rPr lang="en-GB" i="1">
+                              <a:latin typeface="Cambria Math" panose="02040503050406030204" pitchFamily="18" charset="0"/>
+                              <a:ea typeface="Cambria Math" panose="02040503050406030204" pitchFamily="18" charset="0"/>
+                            </a:rPr>
+                            <m:t>−</m:t>
+                          </m:r>
+                          <m:r>
+                            <a:rPr lang="en-GB" i="1">
+                              <a:latin typeface="Cambria Math" panose="02040503050406030204" pitchFamily="18" charset="0"/>
+                              <a:ea typeface="Cambria Math" panose="02040503050406030204" pitchFamily="18" charset="0"/>
+                            </a:rPr>
+                            <m:t>𝜏</m:t>
+                          </m:r>
+                        </m:num>
+                        <m:den>
+                          <m:r>
+                            <a:rPr lang="en-GB" i="1">
+                              <a:latin typeface="Cambria Math" panose="02040503050406030204" pitchFamily="18" charset="0"/>
+                              <a:ea typeface="Cambria Math" panose="02040503050406030204" pitchFamily="18" charset="0"/>
+                            </a:rPr>
+                            <m:t>3</m:t>
+                          </m:r>
+                        </m:den>
+                      </m:f>
+                    </m:oMath>
+                  </m:oMathPara>
+                </a14:m>
+                <a:endParaRPr lang="en-GB" dirty="0"/>
+              </a:p>
+              <a:p>
+                <a:r>
+                  <a:rPr lang="en-GB" dirty="0"/>
+                  <a:t>Pigou tax on perfect market</a:t>
+                </a:r>
+              </a:p>
+              <a:p>
+                <a:pPr marL="0" indent="0">
+                  <a:buNone/>
+                </a:pPr>
+                <a14:m>
+                  <m:oMathPara xmlns:m="http://schemas.openxmlformats.org/officeDocument/2006/math">
+                    <m:oMathParaPr>
+                      <m:jc m:val="centerGroup"/>
+                    </m:oMathParaPr>
+                    <m:oMath xmlns:m="http://schemas.openxmlformats.org/officeDocument/2006/math">
+                      <m:r>
+                        <a:rPr lang="en-GB" i="1" smtClean="0">
+                          <a:latin typeface="Cambria Math" panose="02040503050406030204" pitchFamily="18" charset="0"/>
+                          <a:ea typeface="Cambria Math" panose="02040503050406030204" pitchFamily="18" charset="0"/>
+                        </a:rPr>
+                        <m:t>𝜏</m:t>
+                      </m:r>
+                      <m:r>
+                        <a:rPr lang="en-GB" b="0" i="1" smtClean="0">
+                          <a:latin typeface="Cambria Math" panose="02040503050406030204" pitchFamily="18" charset="0"/>
+                          <a:ea typeface="Cambria Math" panose="02040503050406030204" pitchFamily="18" charset="0"/>
+                        </a:rPr>
+                        <m:t>=</m:t>
+                      </m:r>
+                      <m:r>
+                        <a:rPr lang="en-GB" b="0" i="1" smtClean="0">
+                          <a:latin typeface="Cambria Math" panose="02040503050406030204" pitchFamily="18" charset="0"/>
+                          <a:ea typeface="Cambria Math" panose="02040503050406030204" pitchFamily="18" charset="0"/>
+                        </a:rPr>
+                        <m:t>𝛿</m:t>
+                      </m:r>
+                    </m:oMath>
+                  </m:oMathPara>
+                </a14:m>
+                <a:endParaRPr lang="en-GB" dirty="0"/>
+              </a:p>
+              <a:p>
+                <a:r>
+                  <a:rPr lang="en-GB" dirty="0"/>
+                  <a:t>Optimal tax on monopolist</a:t>
+                </a:r>
+              </a:p>
+              <a:p>
+                <a:pPr marL="0" indent="0">
+                  <a:buNone/>
+                </a:pPr>
+                <a14:m>
+                  <m:oMathPara xmlns:m="http://schemas.openxmlformats.org/officeDocument/2006/math">
+                    <m:oMathParaPr>
+                      <m:jc m:val="centerGroup"/>
+                    </m:oMathParaPr>
+                    <m:oMath xmlns:m="http://schemas.openxmlformats.org/officeDocument/2006/math">
+                      <m:r>
+                        <a:rPr lang="en-GB" i="1">
+                          <a:latin typeface="Cambria Math" panose="02040503050406030204" pitchFamily="18" charset="0"/>
+                          <a:ea typeface="Cambria Math" panose="02040503050406030204" pitchFamily="18" charset="0"/>
+                        </a:rPr>
+                        <m:t>𝜏</m:t>
+                      </m:r>
+                      <m:r>
+                        <a:rPr lang="en-GB" i="1">
+                          <a:latin typeface="Cambria Math" panose="02040503050406030204" pitchFamily="18" charset="0"/>
+                          <a:ea typeface="Cambria Math" panose="02040503050406030204" pitchFamily="18" charset="0"/>
+                        </a:rPr>
+                        <m:t>=</m:t>
+                      </m:r>
+                      <m:f>
+                        <m:fPr>
+                          <m:ctrlPr>
+                            <a:rPr lang="en-GB" i="1" smtClean="0">
+                              <a:latin typeface="Cambria Math" panose="02040503050406030204" pitchFamily="18" charset="0"/>
+                              <a:ea typeface="Cambria Math" panose="02040503050406030204" pitchFamily="18" charset="0"/>
+                            </a:rPr>
+                          </m:ctrlPr>
+                        </m:fPr>
+                        <m:num>
+                          <m:r>
+                            <a:rPr lang="en-GB" b="0" i="1" smtClean="0">
+                              <a:latin typeface="Cambria Math" panose="02040503050406030204" pitchFamily="18" charset="0"/>
+                              <a:ea typeface="Cambria Math" panose="02040503050406030204" pitchFamily="18" charset="0"/>
+                            </a:rPr>
+                            <m:t>3</m:t>
+                          </m:r>
+                          <m:r>
+                            <a:rPr lang="en-GB" i="1">
+                              <a:latin typeface="Cambria Math" panose="02040503050406030204" pitchFamily="18" charset="0"/>
+                              <a:ea typeface="Cambria Math" panose="02040503050406030204" pitchFamily="18" charset="0"/>
+                            </a:rPr>
+                            <m:t>𝛿</m:t>
+                          </m:r>
+                          <m:r>
+                            <a:rPr lang="en-GB" b="0" i="1" smtClean="0">
+                              <a:latin typeface="Cambria Math" panose="02040503050406030204" pitchFamily="18" charset="0"/>
+                              <a:ea typeface="Cambria Math" panose="02040503050406030204" pitchFamily="18" charset="0"/>
+                            </a:rPr>
+                            <m:t>−</m:t>
+                          </m:r>
+                          <m:r>
+                            <a:rPr lang="en-GB" i="1">
+                              <a:latin typeface="Cambria Math" panose="02040503050406030204" pitchFamily="18" charset="0"/>
+                              <a:ea typeface="Cambria Math" panose="02040503050406030204" pitchFamily="18" charset="0"/>
+                            </a:rPr>
+                            <m:t>𝜋</m:t>
+                          </m:r>
+                        </m:num>
+                        <m:den>
+                          <m:r>
+                            <a:rPr lang="en-GB" b="0" i="1" smtClean="0">
+                              <a:latin typeface="Cambria Math" panose="02040503050406030204" pitchFamily="18" charset="0"/>
+                              <a:ea typeface="Cambria Math" panose="02040503050406030204" pitchFamily="18" charset="0"/>
+                            </a:rPr>
+                            <m:t>2</m:t>
+                          </m:r>
+                        </m:den>
+                      </m:f>
+                    </m:oMath>
+                  </m:oMathPara>
+                </a14:m>
+                <a:endParaRPr lang="en-GB" dirty="0"/>
+              </a:p>
+            </p:txBody>
+          </p:sp>
+        </mc:Choice>
+        <mc:Fallback xmlns="">
+          <p:sp>
+            <p:nvSpPr>
+              <p:cNvPr id="3" name="Content Placeholder 2">
+                <a:extLst>
+                  <a:ext uri="{FF2B5EF4-FFF2-40B4-BE49-F238E27FC236}">
+                    <a16:creationId xmlns:a16="http://schemas.microsoft.com/office/drawing/2014/main" xmlns:a14="http://schemas.microsoft.com/office/drawing/2010/main" xmlns="" id="{43EB6C69-6F95-45D4-ACB8-72A73FAD94A2}"/>
+                  </a:ext>
+                </a:extLst>
+              </p:cNvPr>
+              <p:cNvSpPr>
+                <a:spLocks noGrp="1" noRot="1" noChangeAspect="1" noMove="1" noResize="1" noEditPoints="1" noAdjustHandles="1" noChangeArrowheads="1" noChangeShapeType="1" noTextEdit="1"/>
+              </p:cNvSpPr>
+              <p:nvPr>
+                <p:ph idx="1"/>
+              </p:nvPr>
+            </p:nvSpPr>
+            <p:spPr>
+              <a:xfrm>
+                <a:off x="571500" y="1066800"/>
+                <a:ext cx="8001000" cy="4953000"/>
+              </a:xfrm>
+              <a:blipFill rotWithShape="0">
+                <a:blip r:embed="rId2"/>
+                <a:stretch>
+                  <a:fillRect l="-1601" t="-1353"/>
+                </a:stretch>
+              </a:blipFill>
+            </p:spPr>
+            <p:txBody>
+              <a:bodyPr/>
+              <a:lstStyle/>
+              <a:p>
+                <a:r>
+                  <a:rPr lang="en-GB">
+                    <a:noFill/>
+                  </a:rPr>
+                  <a:t> </a:t>
+                </a:r>
+              </a:p>
+            </p:txBody>
+          </p:sp>
+        </mc:Fallback>
+      </mc:AlternateContent>
     </p:spTree>
     <p:extLst>
       <p:ext uri="{BB962C8B-B14F-4D97-AF65-F5344CB8AC3E}">
-        <p14:creationId xmlns:p14="http://schemas.microsoft.com/office/powerpoint/2010/main" val="1659811088"/>
+        <p14:creationId xmlns:p14="http://schemas.microsoft.com/office/powerpoint/2010/main" val="3058368365"/>
       </p:ext>
     </p:extLst>
   </p:cSld>
@@ -4169,7 +4468,7 @@
             <a:pPr eaLnBrk="1" hangingPunct="1"/>
             <a:r>
               <a:rPr lang="de-DE" sz="3600" dirty="0"/>
-              <a:t>Extensions</a:t>
+              <a:t>Interpretation</a:t>
             </a:r>
             <a:endParaRPr lang="en-GB" sz="3600" dirty="0"/>
           </a:p>
@@ -4187,7 +4486,7 @@
         </p:nvSpPr>
         <p:spPr>
           <a:xfrm>
-            <a:off x="705998" y="1143000"/>
+            <a:off x="688622" y="990600"/>
             <a:ext cx="7772400" cy="4114800"/>
           </a:xfrm>
         </p:spPr>
@@ -4198,62 +4497,36 @@
             <a:pPr eaLnBrk="1" hangingPunct="1"/>
             <a:r>
               <a:rPr lang="de-DE" sz="2800" dirty="0"/>
-              <a:t>Analytics are straightforward for monopoly</a:t>
+              <a:t>In a perfect market, the pollution tax is the Pigou tax is the marginal damage done by pollution</a:t>
             </a:r>
           </a:p>
           <a:p>
             <a:pPr eaLnBrk="1" hangingPunct="1"/>
             <a:r>
               <a:rPr lang="de-DE" dirty="0"/>
-              <a:t>Monopolies are rare</a:t>
+              <a:t>In a monopoly, if you apply the Pigou tax, output would be too low, because the monopolist suppresses demand</a:t>
             </a:r>
           </a:p>
           <a:p>
             <a:pPr eaLnBrk="1" hangingPunct="1"/>
             <a:r>
               <a:rPr lang="de-DE" dirty="0"/>
-              <a:t>Other forms of market power are not</a:t>
+              <a:t>So, you apply a lower tax, one that also reflects the parameters of the demand function</a:t>
             </a:r>
           </a:p>
           <a:p>
             <a:pPr eaLnBrk="1" hangingPunct="1"/>
             <a:r>
+              <a:rPr lang="de-DE" sz="2800" dirty="0"/>
+              <a:t>The environmental tax serves two purposes, correcting the externality and market power</a:t>
+            </a:r>
+          </a:p>
+          <a:p>
+            <a:pPr eaLnBrk="1" hangingPunct="1"/>
+            <a:r>
               <a:rPr lang="de-DE" dirty="0"/>
-              <a:t>Same principles apply to oligopolies etc.</a:t>
-            </a:r>
-          </a:p>
-          <a:p>
-            <a:pPr eaLnBrk="1" hangingPunct="1"/>
-            <a:r>
-              <a:rPr lang="de-DE" sz="2800" dirty="0"/>
-              <a:t>Mathematics </a:t>
-            </a:r>
-            <a:r>
-              <a:rPr lang="de-DE" dirty="0"/>
-              <a:t>harder, no additional fundamental insight: </a:t>
-            </a:r>
-            <a:r>
-              <a:rPr lang="de-DE" b="1" dirty="0"/>
-              <a:t>Optimal environmental regulation is different in perfect and imperfect markets</a:t>
-            </a:r>
-          </a:p>
-          <a:p>
-            <a:pPr eaLnBrk="1" hangingPunct="1"/>
-            <a:r>
-              <a:rPr lang="de-DE" sz="2800" dirty="0"/>
-              <a:t>Lots of academic papers</a:t>
-            </a:r>
-            <a:endParaRPr lang="de-DE" dirty="0"/>
-          </a:p>
-          <a:p>
-            <a:pPr eaLnBrk="1" hangingPunct="1"/>
-            <a:r>
-              <a:rPr lang="de-DE" dirty="0"/>
-              <a:t>No applications (as far as I know)</a:t>
-            </a:r>
-          </a:p>
-          <a:p>
-            <a:pPr eaLnBrk="1" hangingPunct="1"/>
+              <a:t>The environmental tax reflects that monopolists respond differently to prices than price-takers</a:t>
+            </a:r>
             <a:endParaRPr lang="de-DE" sz="2800" dirty="0"/>
           </a:p>
         </p:txBody>
@@ -4261,7 +4534,7 @@
     </p:spTree>
     <p:extLst>
       <p:ext uri="{BB962C8B-B14F-4D97-AF65-F5344CB8AC3E}">
-        <p14:creationId xmlns:p14="http://schemas.microsoft.com/office/powerpoint/2010/main" val="2748776078"/>
+        <p14:creationId xmlns:p14="http://schemas.microsoft.com/office/powerpoint/2010/main" val="1659811088"/>
       </p:ext>
     </p:extLst>
   </p:cSld>
@@ -4311,6 +4584,249 @@
             <a:pPr eaLnBrk="1" hangingPunct="1"/>
             <a:r>
               <a:rPr lang="de-DE" sz="3600" dirty="0"/>
+              <a:t>Extensions</a:t>
+            </a:r>
+            <a:endParaRPr lang="en-GB" sz="3600" dirty="0"/>
+          </a:p>
+        </p:txBody>
+      </p:sp>
+      <p:sp>
+        <p:nvSpPr>
+          <p:cNvPr id="4099" name="Rectangle 3"/>
+          <p:cNvSpPr>
+            <a:spLocks noGrp="1" noChangeArrowheads="1"/>
+          </p:cNvSpPr>
+          <p:nvPr>
+            <p:ph type="body" idx="1"/>
+          </p:nvPr>
+        </p:nvSpPr>
+        <p:spPr>
+          <a:xfrm>
+            <a:off x="705998" y="1143000"/>
+            <a:ext cx="7772400" cy="4114800"/>
+          </a:xfrm>
+        </p:spPr>
+        <p:txBody>
+          <a:bodyPr/>
+          <a:lstStyle/>
+          <a:p>
+            <a:pPr eaLnBrk="1" hangingPunct="1"/>
+            <a:r>
+              <a:rPr lang="de-DE" sz="2800" dirty="0"/>
+              <a:t>Analytics are straightforward for monopoly</a:t>
+            </a:r>
+          </a:p>
+          <a:p>
+            <a:pPr eaLnBrk="1" hangingPunct="1"/>
+            <a:r>
+              <a:rPr lang="de-DE" dirty="0"/>
+              <a:t>Monopolies are rare</a:t>
+            </a:r>
+          </a:p>
+          <a:p>
+            <a:pPr eaLnBrk="1" hangingPunct="1"/>
+            <a:r>
+              <a:rPr lang="de-DE" dirty="0"/>
+              <a:t>Other forms of market power are not</a:t>
+            </a:r>
+          </a:p>
+          <a:p>
+            <a:pPr eaLnBrk="1" hangingPunct="1"/>
+            <a:r>
+              <a:rPr lang="de-DE" dirty="0"/>
+              <a:t>Same principles apply to oligopolies etc.</a:t>
+            </a:r>
+          </a:p>
+          <a:p>
+            <a:pPr eaLnBrk="1" hangingPunct="1"/>
+            <a:r>
+              <a:rPr lang="de-DE" sz="2800" dirty="0"/>
+              <a:t>Mathematics </a:t>
+            </a:r>
+            <a:r>
+              <a:rPr lang="de-DE" dirty="0"/>
+              <a:t>harder, no additional fundamental insight: </a:t>
+            </a:r>
+            <a:r>
+              <a:rPr lang="de-DE" b="1" dirty="0"/>
+              <a:t>Optimal environmental regulation is different in perfect and imperfect markets</a:t>
+            </a:r>
+          </a:p>
+          <a:p>
+            <a:pPr eaLnBrk="1" hangingPunct="1"/>
+            <a:r>
+              <a:rPr lang="de-DE" sz="2800" dirty="0"/>
+              <a:t>Lots of academic papers</a:t>
+            </a:r>
+            <a:endParaRPr lang="de-DE" dirty="0"/>
+          </a:p>
+          <a:p>
+            <a:pPr eaLnBrk="1" hangingPunct="1"/>
+            <a:r>
+              <a:rPr lang="de-DE" dirty="0"/>
+              <a:t>No applications (as far as I know)</a:t>
+            </a:r>
+          </a:p>
+          <a:p>
+            <a:pPr eaLnBrk="1" hangingPunct="1"/>
+            <a:endParaRPr lang="de-DE" sz="2800" dirty="0"/>
+          </a:p>
+        </p:txBody>
+      </p:sp>
+    </p:spTree>
+    <p:extLst>
+      <p:ext uri="{BB962C8B-B14F-4D97-AF65-F5344CB8AC3E}">
+        <p14:creationId xmlns:p14="http://schemas.microsoft.com/office/powerpoint/2010/main" val="2748776078"/>
+      </p:ext>
+    </p:extLst>
+  </p:cSld>
+  <p:clrMapOvr>
+    <a:masterClrMapping/>
+  </p:clrMapOvr>
+</p:sld>
+</file>
+
+<file path=ppt/slides/slide13.xml><?xml version="1.0" encoding="utf-8"?>
+<p:sld xmlns:a="http://schemas.openxmlformats.org/drawingml/2006/main" xmlns:r="http://schemas.openxmlformats.org/officeDocument/2006/relationships" xmlns:p="http://schemas.openxmlformats.org/presentationml/2006/main">
+  <p:cSld>
+    <p:spTree>
+      <p:nvGrpSpPr>
+        <p:cNvPr id="1" name=""/>
+        <p:cNvGrpSpPr/>
+        <p:nvPr/>
+      </p:nvGrpSpPr>
+      <p:grpSpPr>
+        <a:xfrm>
+          <a:off x="0" y="0"/>
+          <a:ext cx="0" cy="0"/>
+          <a:chOff x="0" y="0"/>
+          <a:chExt cx="0" cy="0"/>
+        </a:xfrm>
+      </p:grpSpPr>
+      <p:sp>
+        <p:nvSpPr>
+          <p:cNvPr id="3074" name="Rectangle 2"/>
+          <p:cNvSpPr>
+            <a:spLocks noGrp="1" noChangeArrowheads="1"/>
+          </p:cNvSpPr>
+          <p:nvPr>
+            <p:ph type="title"/>
+          </p:nvPr>
+        </p:nvSpPr>
+        <p:spPr/>
+        <p:txBody>
+          <a:bodyPr/>
+          <a:lstStyle/>
+          <a:p>
+            <a:pPr eaLnBrk="1" hangingPunct="1"/>
+            <a:r>
+              <a:rPr lang="de-DE" sz="4000" dirty="0">
+                <a:latin typeface="Candara" panose="020E0502030303020204" pitchFamily="34" charset="0"/>
+              </a:rPr>
+              <a:t>Policy Instruments -3</a:t>
+            </a:r>
+            <a:endParaRPr lang="en-GB" sz="4000" dirty="0">
+              <a:latin typeface="Candara" panose="020E0502030303020204" pitchFamily="34" charset="0"/>
+            </a:endParaRPr>
+          </a:p>
+        </p:txBody>
+      </p:sp>
+      <p:sp>
+        <p:nvSpPr>
+          <p:cNvPr id="3075" name="Rectangle 3"/>
+          <p:cNvSpPr>
+            <a:spLocks noGrp="1" noChangeArrowheads="1"/>
+          </p:cNvSpPr>
+          <p:nvPr>
+            <p:ph type="body" idx="1"/>
+          </p:nvPr>
+        </p:nvSpPr>
+        <p:spPr/>
+        <p:txBody>
+          <a:bodyPr/>
+          <a:lstStyle/>
+          <a:p>
+            <a:pPr eaLnBrk="1" hangingPunct="1"/>
+            <a:r>
+              <a:rPr lang="de-DE" dirty="0">
+                <a:latin typeface="Candara" panose="020E0502030303020204" pitchFamily="34" charset="0"/>
+              </a:rPr>
+              <a:t>Market power</a:t>
+            </a:r>
+          </a:p>
+          <a:p>
+            <a:pPr eaLnBrk="1" hangingPunct="1"/>
+            <a:r>
+              <a:rPr lang="de-DE" dirty="0">
+                <a:latin typeface="Candara" panose="020E0502030303020204" pitchFamily="34" charset="0"/>
+              </a:rPr>
+              <a:t>Adverse selection</a:t>
+            </a:r>
+          </a:p>
+          <a:p>
+            <a:pPr eaLnBrk="1" hangingPunct="1"/>
+            <a:r>
+              <a:rPr lang="de-DE" dirty="0">
+                <a:latin typeface="Candara" panose="020E0502030303020204" pitchFamily="34" charset="0"/>
+              </a:rPr>
+              <a:t>Enforcement</a:t>
+            </a:r>
+          </a:p>
+        </p:txBody>
+      </p:sp>
+    </p:spTree>
+    <p:extLst>
+      <p:ext uri="{BB962C8B-B14F-4D97-AF65-F5344CB8AC3E}">
+        <p14:creationId xmlns:p14="http://schemas.microsoft.com/office/powerpoint/2010/main" val="1477555133"/>
+      </p:ext>
+    </p:extLst>
+  </p:cSld>
+  <p:clrMapOvr>
+    <a:masterClrMapping/>
+  </p:clrMapOvr>
+</p:sld>
+</file>
+
+<file path=ppt/slides/slide14.xml><?xml version="1.0" encoding="utf-8"?>
+<p:sld xmlns:a="http://schemas.openxmlformats.org/drawingml/2006/main" xmlns:r="http://schemas.openxmlformats.org/officeDocument/2006/relationships" xmlns:p="http://schemas.openxmlformats.org/presentationml/2006/main">
+  <p:cSld>
+    <p:spTree>
+      <p:nvGrpSpPr>
+        <p:cNvPr id="1" name=""/>
+        <p:cNvGrpSpPr/>
+        <p:nvPr/>
+      </p:nvGrpSpPr>
+      <p:grpSpPr>
+        <a:xfrm>
+          <a:off x="0" y="0"/>
+          <a:ext cx="0" cy="0"/>
+          <a:chOff x="0" y="0"/>
+          <a:chExt cx="0" cy="0"/>
+        </a:xfrm>
+      </p:grpSpPr>
+      <p:sp>
+        <p:nvSpPr>
+          <p:cNvPr id="4098" name="Rectangle 2"/>
+          <p:cNvSpPr>
+            <a:spLocks noGrp="1" noChangeArrowheads="1"/>
+          </p:cNvSpPr>
+          <p:nvPr>
+            <p:ph type="title"/>
+          </p:nvPr>
+        </p:nvSpPr>
+        <p:spPr>
+          <a:xfrm>
+            <a:off x="685800" y="0"/>
+            <a:ext cx="7772400" cy="1143000"/>
+          </a:xfrm>
+        </p:spPr>
+        <p:txBody>
+          <a:bodyPr/>
+          <a:lstStyle/>
+          <a:p>
+            <a:pPr eaLnBrk="1" hangingPunct="1"/>
+            <a:r>
+              <a:rPr lang="de-DE" sz="3600" dirty="0"/>
               <a:t>Unknown abatement costs</a:t>
             </a:r>
             <a:endParaRPr lang="en-GB" sz="3600" dirty="0"/>
@@ -4393,7 +4909,7 @@
 </p:sld>
 </file>
 
-<file path=ppt/slides/slide13.xml><?xml version="1.0" encoding="utf-8"?>
+<file path=ppt/slides/slide15.xml><?xml version="1.0" encoding="utf-8"?>
 <p:sld xmlns:a="http://schemas.openxmlformats.org/drawingml/2006/main" xmlns:r="http://schemas.openxmlformats.org/officeDocument/2006/relationships" xmlns:p="http://schemas.openxmlformats.org/presentationml/2006/main">
   <p:cSld>
     <p:spTree>
@@ -4464,7 +4980,7 @@
 </p:sld>
 </file>
 
-<file path=ppt/slides/slide14.xml><?xml version="1.0" encoding="utf-8"?>
+<file path=ppt/slides/slide16.xml><?xml version="1.0" encoding="utf-8"?>
 <p:sld xmlns:a="http://schemas.openxmlformats.org/drawingml/2006/main" xmlns:r="http://schemas.openxmlformats.org/officeDocument/2006/relationships" xmlns:p="http://schemas.openxmlformats.org/presentationml/2006/main">
   <p:cSld>
     <p:spTree>
@@ -5429,7 +5945,7 @@
 </p:sld>
 </file>
 
-<file path=ppt/slides/slide15.xml><?xml version="1.0" encoding="utf-8"?>
+<file path=ppt/slides/slide17.xml><?xml version="1.0" encoding="utf-8"?>
 <p:sld xmlns:a="http://schemas.openxmlformats.org/drawingml/2006/main" xmlns:r="http://schemas.openxmlformats.org/officeDocument/2006/relationships" xmlns:p="http://schemas.openxmlformats.org/presentationml/2006/main">
   <p:cSld>
     <p:spTree>
@@ -5605,7 +6121,7 @@
 </p:sld>
 </file>
 
-<file path=ppt/slides/slide16.xml><?xml version="1.0" encoding="utf-8"?>
+<file path=ppt/slides/slide18.xml><?xml version="1.0" encoding="utf-8"?>
 <p:sld xmlns:a="http://schemas.openxmlformats.org/drawingml/2006/main" xmlns:r="http://schemas.openxmlformats.org/officeDocument/2006/relationships" xmlns:p="http://schemas.openxmlformats.org/presentationml/2006/main">
   <p:cSld>
     <p:spTree>
@@ -5730,7 +6246,7 @@
 </p:sld>
 </file>
 
-<file path=ppt/slides/slide17.xml><?xml version="1.0" encoding="utf-8"?>
+<file path=ppt/slides/slide19.xml><?xml version="1.0" encoding="utf-8"?>
 <p:sld xmlns:a="http://schemas.openxmlformats.org/drawingml/2006/main" xmlns:r="http://schemas.openxmlformats.org/officeDocument/2006/relationships" xmlns:p="http://schemas.openxmlformats.org/presentationml/2006/main">
   <p:cSld>
     <p:spTree>
@@ -5846,7 +6362,192 @@
 </p:sld>
 </file>
 
-<file path=ppt/slides/slide18.xml><?xml version="1.0" encoding="utf-8"?>
+<file path=ppt/slides/slide2.xml><?xml version="1.0" encoding="utf-8"?>
+<p:sld xmlns:a="http://schemas.openxmlformats.org/drawingml/2006/main" xmlns:r="http://schemas.openxmlformats.org/officeDocument/2006/relationships" xmlns:p="http://schemas.openxmlformats.org/presentationml/2006/main">
+  <p:cSld>
+    <p:spTree>
+      <p:nvGrpSpPr>
+        <p:cNvPr id="1" name=""/>
+        <p:cNvGrpSpPr/>
+        <p:nvPr/>
+      </p:nvGrpSpPr>
+      <p:grpSpPr>
+        <a:xfrm>
+          <a:off x="0" y="0"/>
+          <a:ext cx="0" cy="0"/>
+          <a:chOff x="0" y="0"/>
+          <a:chExt cx="0" cy="0"/>
+        </a:xfrm>
+      </p:grpSpPr>
+      <p:sp>
+        <p:nvSpPr>
+          <p:cNvPr id="4099" name="Content Placeholder 2"/>
+          <p:cNvSpPr>
+            <a:spLocks noGrp="1"/>
+          </p:cNvSpPr>
+          <p:nvPr>
+            <p:ph idx="1"/>
+          </p:nvPr>
+        </p:nvSpPr>
+        <p:spPr>
+          <a:xfrm>
+            <a:off x="415039" y="368041"/>
+            <a:ext cx="8229600" cy="5211763"/>
+          </a:xfrm>
+        </p:spPr>
+        <p:txBody>
+          <a:bodyPr>
+            <a:noAutofit/>
+          </a:bodyPr>
+          <a:lstStyle/>
+          <a:p>
+            <a:pPr eaLnBrk="1" hangingPunct="1">
+              <a:buNone/>
+            </a:pPr>
+            <a:r>
+              <a:rPr lang="en-US" sz="2800" dirty="0">
+                <a:latin typeface="Candara" panose="020E0502030303020204" pitchFamily="34" charset="0"/>
+              </a:rPr>
+              <a:t>0 Introduction</a:t>
+            </a:r>
+          </a:p>
+          <a:p>
+            <a:pPr eaLnBrk="1" hangingPunct="1">
+              <a:buNone/>
+            </a:pPr>
+            <a:r>
+              <a:rPr lang="en-US" sz="2800" dirty="0">
+                <a:latin typeface="Candara" panose="020E0502030303020204" pitchFamily="34" charset="0"/>
+              </a:rPr>
+              <a:t>1 Social choice</a:t>
+            </a:r>
+          </a:p>
+          <a:p>
+            <a:pPr eaLnBrk="1" hangingPunct="1">
+              <a:buNone/>
+            </a:pPr>
+            <a:r>
+              <a:rPr lang="en-US" sz="2800" dirty="0">
+                <a:latin typeface="Candara" panose="020E0502030303020204" pitchFamily="34" charset="0"/>
+              </a:rPr>
+              <a:t>2 Externalities and public goods</a:t>
+            </a:r>
+          </a:p>
+          <a:p>
+            <a:pPr eaLnBrk="1" hangingPunct="1">
+              <a:buNone/>
+            </a:pPr>
+            <a:r>
+              <a:rPr lang="en-US" sz="2800" dirty="0">
+                <a:latin typeface="Candara" panose="020E0502030303020204" pitchFamily="34" charset="0"/>
+              </a:rPr>
+              <a:t>3 Decision analysis</a:t>
+            </a:r>
+          </a:p>
+          <a:p>
+            <a:pPr eaLnBrk="1" hangingPunct="1">
+              <a:buNone/>
+            </a:pPr>
+            <a:r>
+              <a:rPr lang="en-US" sz="2800" dirty="0">
+                <a:latin typeface="Candara" panose="020E0502030303020204" pitchFamily="34" charset="0"/>
+              </a:rPr>
+              <a:t>4 Valuation: Aims and purpose</a:t>
+            </a:r>
+          </a:p>
+          <a:p>
+            <a:pPr eaLnBrk="1" hangingPunct="1">
+              <a:buNone/>
+            </a:pPr>
+            <a:r>
+              <a:rPr lang="en-US" sz="2800" dirty="0">
+                <a:latin typeface="Candara" panose="020E0502030303020204" pitchFamily="34" charset="0"/>
+              </a:rPr>
+              <a:t>5 Valuation: Revealed preferences</a:t>
+            </a:r>
+          </a:p>
+          <a:p>
+            <a:pPr eaLnBrk="1" hangingPunct="1">
+              <a:buNone/>
+            </a:pPr>
+            <a:r>
+              <a:rPr lang="en-US" sz="2800" dirty="0">
+                <a:latin typeface="Candara" panose="020E0502030303020204" pitchFamily="34" charset="0"/>
+              </a:rPr>
+              <a:t>6 Valuation: Stated preferences</a:t>
+            </a:r>
+          </a:p>
+          <a:p>
+            <a:pPr eaLnBrk="1" hangingPunct="1">
+              <a:buNone/>
+            </a:pPr>
+            <a:r>
+              <a:rPr lang="en-US" sz="2800" dirty="0">
+                <a:latin typeface="Candara" panose="020E0502030303020204" pitchFamily="34" charset="0"/>
+              </a:rPr>
+              <a:t>7 Direct regulation</a:t>
+            </a:r>
+          </a:p>
+          <a:p>
+            <a:pPr eaLnBrk="1" hangingPunct="1">
+              <a:buNone/>
+            </a:pPr>
+            <a:r>
+              <a:rPr lang="en-US" dirty="0">
+                <a:latin typeface="Candara" panose="020E0502030303020204" pitchFamily="34" charset="0"/>
+              </a:rPr>
+              <a:t>8 Market-based instruments</a:t>
+            </a:r>
+          </a:p>
+          <a:p>
+            <a:pPr eaLnBrk="1" hangingPunct="1">
+              <a:buNone/>
+            </a:pPr>
+            <a:r>
+              <a:rPr lang="en-US" sz="3200" b="1" dirty="0">
+                <a:latin typeface="Candara" panose="020E0502030303020204" pitchFamily="34" charset="0"/>
+              </a:rPr>
+              <a:t>9 Complications with instruments</a:t>
+            </a:r>
+          </a:p>
+          <a:p>
+            <a:pPr eaLnBrk="1" hangingPunct="1">
+              <a:buNone/>
+            </a:pPr>
+            <a:r>
+              <a:rPr lang="en-US" sz="2800" dirty="0">
+                <a:latin typeface="Candara" panose="020E0502030303020204" pitchFamily="34" charset="0"/>
+              </a:rPr>
+              <a:t>10 Growth and the environment</a:t>
+            </a:r>
+          </a:p>
+          <a:p>
+            <a:pPr eaLnBrk="1" hangingPunct="1">
+              <a:buNone/>
+            </a:pPr>
+            <a:r>
+              <a:rPr lang="en-US" sz="2800" dirty="0">
+                <a:latin typeface="Candara" panose="020E0502030303020204" pitchFamily="34" charset="0"/>
+              </a:rPr>
+              <a:t>11 Green accounting</a:t>
+            </a:r>
+          </a:p>
+        </p:txBody>
+      </p:sp>
+    </p:spTree>
+    <p:extLst>
+      <p:ext uri="{BB962C8B-B14F-4D97-AF65-F5344CB8AC3E}">
+        <p14:creationId xmlns:p14="http://schemas.microsoft.com/office/powerpoint/2010/main" val="65579948"/>
+      </p:ext>
+    </p:extLst>
+  </p:cSld>
+  <p:clrMapOvr>
+    <a:masterClrMapping/>
+  </p:clrMapOvr>
+</p:sld>
+</file>
+
+<file path=ppt/slides/slide20.xml><?xml version="1.0" encoding="utf-8"?>
 <p:sld xmlns:a="http://schemas.openxmlformats.org/drawingml/2006/main" xmlns:r="http://schemas.openxmlformats.org/officeDocument/2006/relationships" xmlns:p="http://schemas.openxmlformats.org/presentationml/2006/main">
   <p:cSld>
     <p:spTree>
@@ -5985,7 +6686,108 @@
 </p:sld>
 </file>
 
-<file path=ppt/slides/slide19.xml><?xml version="1.0" encoding="utf-8"?>
+<file path=ppt/slides/slide21.xml><?xml version="1.0" encoding="utf-8"?>
+<p:sld xmlns:a="http://schemas.openxmlformats.org/drawingml/2006/main" xmlns:r="http://schemas.openxmlformats.org/officeDocument/2006/relationships" xmlns:p="http://schemas.openxmlformats.org/presentationml/2006/main">
+  <p:cSld>
+    <p:spTree>
+      <p:nvGrpSpPr>
+        <p:cNvPr id="1" name=""/>
+        <p:cNvGrpSpPr/>
+        <p:nvPr/>
+      </p:nvGrpSpPr>
+      <p:grpSpPr>
+        <a:xfrm>
+          <a:off x="0" y="0"/>
+          <a:ext cx="0" cy="0"/>
+          <a:chOff x="0" y="0"/>
+          <a:chExt cx="0" cy="0"/>
+        </a:xfrm>
+      </p:grpSpPr>
+      <p:sp>
+        <p:nvSpPr>
+          <p:cNvPr id="3074" name="Rectangle 2"/>
+          <p:cNvSpPr>
+            <a:spLocks noGrp="1" noChangeArrowheads="1"/>
+          </p:cNvSpPr>
+          <p:nvPr>
+            <p:ph type="title"/>
+          </p:nvPr>
+        </p:nvSpPr>
+        <p:spPr/>
+        <p:txBody>
+          <a:bodyPr/>
+          <a:lstStyle/>
+          <a:p>
+            <a:pPr eaLnBrk="1" hangingPunct="1"/>
+            <a:r>
+              <a:rPr lang="de-DE" sz="4000" dirty="0">
+                <a:latin typeface="Candara" panose="020E0502030303020204" pitchFamily="34" charset="0"/>
+              </a:rPr>
+              <a:t>Policy Instruments -3</a:t>
+            </a:r>
+            <a:endParaRPr lang="en-GB" sz="4000" dirty="0">
+              <a:latin typeface="Candara" panose="020E0502030303020204" pitchFamily="34" charset="0"/>
+            </a:endParaRPr>
+          </a:p>
+        </p:txBody>
+      </p:sp>
+      <p:sp>
+        <p:nvSpPr>
+          <p:cNvPr id="3075" name="Rectangle 3"/>
+          <p:cNvSpPr>
+            <a:spLocks noGrp="1" noChangeArrowheads="1"/>
+          </p:cNvSpPr>
+          <p:nvPr>
+            <p:ph type="body" idx="1"/>
+          </p:nvPr>
+        </p:nvSpPr>
+        <p:spPr/>
+        <p:txBody>
+          <a:bodyPr/>
+          <a:lstStyle/>
+          <a:p>
+            <a:pPr eaLnBrk="1" hangingPunct="1"/>
+            <a:r>
+              <a:rPr lang="de-DE" dirty="0">
+                <a:latin typeface="Candara" panose="020E0502030303020204" pitchFamily="34" charset="0"/>
+              </a:rPr>
+              <a:t>Market power</a:t>
+            </a:r>
+          </a:p>
+          <a:p>
+            <a:pPr eaLnBrk="1" hangingPunct="1"/>
+            <a:r>
+              <a:rPr lang="de-DE" dirty="0">
+                <a:latin typeface="Candara" panose="020E0502030303020204" pitchFamily="34" charset="0"/>
+              </a:rPr>
+              <a:t>Adverse selection</a:t>
+            </a:r>
+          </a:p>
+          <a:p>
+            <a:pPr eaLnBrk="1" hangingPunct="1"/>
+            <a:r>
+              <a:rPr lang="de-DE" dirty="0">
+                <a:latin typeface="Candara" panose="020E0502030303020204" pitchFamily="34" charset="0"/>
+              </a:rPr>
+              <a:t>Enforcement</a:t>
+            </a:r>
+          </a:p>
+        </p:txBody>
+      </p:sp>
+    </p:spTree>
+    <p:extLst>
+      <p:ext uri="{BB962C8B-B14F-4D97-AF65-F5344CB8AC3E}">
+        <p14:creationId xmlns:p14="http://schemas.microsoft.com/office/powerpoint/2010/main" val="1418699697"/>
+      </p:ext>
+    </p:extLst>
+  </p:cSld>
+  <p:clrMapOvr>
+    <a:masterClrMapping/>
+  </p:clrMapOvr>
+</p:sld>
+</file>
+
+<file path=ppt/slides/slide22.xml><?xml version="1.0" encoding="utf-8"?>
 <p:sld xmlns:a="http://schemas.openxmlformats.org/drawingml/2006/main" xmlns:r="http://schemas.openxmlformats.org/officeDocument/2006/relationships" xmlns:p="http://schemas.openxmlformats.org/presentationml/2006/main">
   <p:cSld>
     <p:spTree>
@@ -6564,192 +7366,7 @@
 </p:sld>
 </file>
 
-<file path=ppt/slides/slide2.xml><?xml version="1.0" encoding="utf-8"?>
-<p:sld xmlns:a="http://schemas.openxmlformats.org/drawingml/2006/main" xmlns:r="http://schemas.openxmlformats.org/officeDocument/2006/relationships" xmlns:p="http://schemas.openxmlformats.org/presentationml/2006/main">
-  <p:cSld>
-    <p:spTree>
-      <p:nvGrpSpPr>
-        <p:cNvPr id="1" name=""/>
-        <p:cNvGrpSpPr/>
-        <p:nvPr/>
-      </p:nvGrpSpPr>
-      <p:grpSpPr>
-        <a:xfrm>
-          <a:off x="0" y="0"/>
-          <a:ext cx="0" cy="0"/>
-          <a:chOff x="0" y="0"/>
-          <a:chExt cx="0" cy="0"/>
-        </a:xfrm>
-      </p:grpSpPr>
-      <p:sp>
-        <p:nvSpPr>
-          <p:cNvPr id="4099" name="Content Placeholder 2"/>
-          <p:cNvSpPr>
-            <a:spLocks noGrp="1"/>
-          </p:cNvSpPr>
-          <p:nvPr>
-            <p:ph idx="1"/>
-          </p:nvPr>
-        </p:nvSpPr>
-        <p:spPr>
-          <a:xfrm>
-            <a:off x="415039" y="368041"/>
-            <a:ext cx="8229600" cy="5211763"/>
-          </a:xfrm>
-        </p:spPr>
-        <p:txBody>
-          <a:bodyPr>
-            <a:noAutofit/>
-          </a:bodyPr>
-          <a:lstStyle/>
-          <a:p>
-            <a:pPr eaLnBrk="1" hangingPunct="1">
-              <a:buNone/>
-            </a:pPr>
-            <a:r>
-              <a:rPr lang="en-US" sz="2800" dirty="0">
-                <a:latin typeface="Candara" panose="020E0502030303020204" pitchFamily="34" charset="0"/>
-              </a:rPr>
-              <a:t>0 Introduction</a:t>
-            </a:r>
-          </a:p>
-          <a:p>
-            <a:pPr eaLnBrk="1" hangingPunct="1">
-              <a:buNone/>
-            </a:pPr>
-            <a:r>
-              <a:rPr lang="en-US" sz="2800" dirty="0">
-                <a:latin typeface="Candara" panose="020E0502030303020204" pitchFamily="34" charset="0"/>
-              </a:rPr>
-              <a:t>1 Social choice</a:t>
-            </a:r>
-          </a:p>
-          <a:p>
-            <a:pPr eaLnBrk="1" hangingPunct="1">
-              <a:buNone/>
-            </a:pPr>
-            <a:r>
-              <a:rPr lang="en-US" sz="2800" dirty="0">
-                <a:latin typeface="Candara" panose="020E0502030303020204" pitchFamily="34" charset="0"/>
-              </a:rPr>
-              <a:t>2 Externalities and public goods</a:t>
-            </a:r>
-          </a:p>
-          <a:p>
-            <a:pPr eaLnBrk="1" hangingPunct="1">
-              <a:buNone/>
-            </a:pPr>
-            <a:r>
-              <a:rPr lang="en-US" sz="2800" dirty="0">
-                <a:latin typeface="Candara" panose="020E0502030303020204" pitchFamily="34" charset="0"/>
-              </a:rPr>
-              <a:t>3 Decision analysis</a:t>
-            </a:r>
-          </a:p>
-          <a:p>
-            <a:pPr eaLnBrk="1" hangingPunct="1">
-              <a:buNone/>
-            </a:pPr>
-            <a:r>
-              <a:rPr lang="en-US" sz="2800" dirty="0">
-                <a:latin typeface="Candara" panose="020E0502030303020204" pitchFamily="34" charset="0"/>
-              </a:rPr>
-              <a:t>4 Valuation: Aims and purpose</a:t>
-            </a:r>
-          </a:p>
-          <a:p>
-            <a:pPr eaLnBrk="1" hangingPunct="1">
-              <a:buNone/>
-            </a:pPr>
-            <a:r>
-              <a:rPr lang="en-US" sz="2800" dirty="0">
-                <a:latin typeface="Candara" panose="020E0502030303020204" pitchFamily="34" charset="0"/>
-              </a:rPr>
-              <a:t>5 Valuation: Revealed preferences</a:t>
-            </a:r>
-          </a:p>
-          <a:p>
-            <a:pPr eaLnBrk="1" hangingPunct="1">
-              <a:buNone/>
-            </a:pPr>
-            <a:r>
-              <a:rPr lang="en-US" sz="2800" dirty="0">
-                <a:latin typeface="Candara" panose="020E0502030303020204" pitchFamily="34" charset="0"/>
-              </a:rPr>
-              <a:t>6 Valuation: Stated preferences</a:t>
-            </a:r>
-          </a:p>
-          <a:p>
-            <a:pPr eaLnBrk="1" hangingPunct="1">
-              <a:buNone/>
-            </a:pPr>
-            <a:r>
-              <a:rPr lang="en-US" sz="2800" dirty="0">
-                <a:latin typeface="Candara" panose="020E0502030303020204" pitchFamily="34" charset="0"/>
-              </a:rPr>
-              <a:t>7 Direct regulation</a:t>
-            </a:r>
-          </a:p>
-          <a:p>
-            <a:pPr eaLnBrk="1" hangingPunct="1">
-              <a:buNone/>
-            </a:pPr>
-            <a:r>
-              <a:rPr lang="en-US" dirty="0">
-                <a:latin typeface="Candara" panose="020E0502030303020204" pitchFamily="34" charset="0"/>
-              </a:rPr>
-              <a:t>8 Market-based instruments</a:t>
-            </a:r>
-          </a:p>
-          <a:p>
-            <a:pPr eaLnBrk="1" hangingPunct="1">
-              <a:buNone/>
-            </a:pPr>
-            <a:r>
-              <a:rPr lang="en-US" sz="3200" b="1" dirty="0">
-                <a:latin typeface="Candara" panose="020E0502030303020204" pitchFamily="34" charset="0"/>
-              </a:rPr>
-              <a:t>9 Complications with instruments</a:t>
-            </a:r>
-          </a:p>
-          <a:p>
-            <a:pPr eaLnBrk="1" hangingPunct="1">
-              <a:buNone/>
-            </a:pPr>
-            <a:r>
-              <a:rPr lang="en-US" sz="2800" dirty="0">
-                <a:latin typeface="Candara" panose="020E0502030303020204" pitchFamily="34" charset="0"/>
-              </a:rPr>
-              <a:t>10 Growth and the environment</a:t>
-            </a:r>
-          </a:p>
-          <a:p>
-            <a:pPr eaLnBrk="1" hangingPunct="1">
-              <a:buNone/>
-            </a:pPr>
-            <a:r>
-              <a:rPr lang="en-US" sz="2800" dirty="0">
-                <a:latin typeface="Candara" panose="020E0502030303020204" pitchFamily="34" charset="0"/>
-              </a:rPr>
-              <a:t>11 Green accounting</a:t>
-            </a:r>
-          </a:p>
-        </p:txBody>
-      </p:sp>
-    </p:spTree>
-    <p:extLst>
-      <p:ext uri="{BB962C8B-B14F-4D97-AF65-F5344CB8AC3E}">
-        <p14:creationId xmlns:p14="http://schemas.microsoft.com/office/powerpoint/2010/main" val="65579948"/>
-      </p:ext>
-    </p:extLst>
-  </p:cSld>
-  <p:clrMapOvr>
-    <a:masterClrMapping/>
-  </p:clrMapOvr>
-</p:sld>
-</file>
-
-<file path=ppt/slides/slide20.xml><?xml version="1.0" encoding="utf-8"?>
+<file path=ppt/slides/slide23.xml><?xml version="1.0" encoding="utf-8"?>
 <p:sld xmlns:a="http://schemas.openxmlformats.org/drawingml/2006/main" xmlns:r="http://schemas.openxmlformats.org/officeDocument/2006/relationships" xmlns:p="http://schemas.openxmlformats.org/presentationml/2006/main">
   <p:cSld>
     <p:spTree>
@@ -7022,7 +7639,7 @@
 </p:sld>
 </file>
 
-<file path=ppt/slides/slide21.xml><?xml version="1.0" encoding="utf-8"?>
+<file path=ppt/slides/slide24.xml><?xml version="1.0" encoding="utf-8"?>
 <p:sld xmlns:a="http://schemas.openxmlformats.org/drawingml/2006/main" xmlns:r="http://schemas.openxmlformats.org/officeDocument/2006/relationships" xmlns:p="http://schemas.openxmlformats.org/presentationml/2006/main">
   <p:cSld>
     <p:spTree>
@@ -7694,7 +8311,7 @@
 </p:sld>
 </file>
 
-<file path=ppt/slides/slide22.xml><?xml version="1.0" encoding="utf-8"?>
+<file path=ppt/slides/slide25.xml><?xml version="1.0" encoding="utf-8"?>
 <p:sld xmlns:a="http://schemas.openxmlformats.org/drawingml/2006/main" xmlns:r="http://schemas.openxmlformats.org/officeDocument/2006/relationships" xmlns:p="http://schemas.openxmlformats.org/presentationml/2006/main">
   <p:cSld>
     <p:spTree>
@@ -7853,7 +8470,7 @@
 </p:sld>
 </file>
 
-<file path=ppt/slides/slide23.xml><?xml version="1.0" encoding="utf-8"?>
+<file path=ppt/slides/slide26.xml><?xml version="1.0" encoding="utf-8"?>
 <p:sld xmlns:a="http://schemas.openxmlformats.org/drawingml/2006/main" xmlns:r="http://schemas.openxmlformats.org/officeDocument/2006/relationships" xmlns:p="http://schemas.openxmlformats.org/presentationml/2006/main">
   <p:cSld>
     <p:spTree>
@@ -8031,7 +8648,7 @@
 </p:sld>
 </file>
 
-<file path=ppt/slides/slide24.xml><?xml version="1.0" encoding="utf-8"?>
+<file path=ppt/slides/slide27.xml><?xml version="1.0" encoding="utf-8"?>
 <p:sld xmlns:a="http://schemas.openxmlformats.org/drawingml/2006/main" xmlns:r="http://schemas.openxmlformats.org/officeDocument/2006/relationships" xmlns:p="http://schemas.openxmlformats.org/presentationml/2006/main">
   <p:cSld>
     <p:spTree>
@@ -8173,7 +8790,7 @@
 </p:sld>
 </file>
 
-<file path=ppt/slides/slide25.xml><?xml version="1.0" encoding="utf-8"?>
+<file path=ppt/slides/slide28.xml><?xml version="1.0" encoding="utf-8"?>
 <p:sld xmlns:a="http://schemas.openxmlformats.org/drawingml/2006/main" xmlns:r="http://schemas.openxmlformats.org/officeDocument/2006/relationships" xmlns:p="http://schemas.openxmlformats.org/presentationml/2006/main">
   <p:cSld>
     <p:spTree>
@@ -8228,6 +8845,107 @@
 </file>
 
 <file path=ppt/slides/slide3.xml><?xml version="1.0" encoding="utf-8"?>
+<p:sld xmlns:a="http://schemas.openxmlformats.org/drawingml/2006/main" xmlns:r="http://schemas.openxmlformats.org/officeDocument/2006/relationships" xmlns:p="http://schemas.openxmlformats.org/presentationml/2006/main">
+  <p:cSld>
+    <p:spTree>
+      <p:nvGrpSpPr>
+        <p:cNvPr id="1" name=""/>
+        <p:cNvGrpSpPr/>
+        <p:nvPr/>
+      </p:nvGrpSpPr>
+      <p:grpSpPr>
+        <a:xfrm>
+          <a:off x="0" y="0"/>
+          <a:ext cx="0" cy="0"/>
+          <a:chOff x="0" y="0"/>
+          <a:chExt cx="0" cy="0"/>
+        </a:xfrm>
+      </p:grpSpPr>
+      <p:sp>
+        <p:nvSpPr>
+          <p:cNvPr id="3074" name="Rectangle 2"/>
+          <p:cNvSpPr>
+            <a:spLocks noGrp="1" noChangeArrowheads="1"/>
+          </p:cNvSpPr>
+          <p:nvPr>
+            <p:ph type="title"/>
+          </p:nvPr>
+        </p:nvSpPr>
+        <p:spPr/>
+        <p:txBody>
+          <a:bodyPr/>
+          <a:lstStyle/>
+          <a:p>
+            <a:pPr eaLnBrk="1" hangingPunct="1"/>
+            <a:r>
+              <a:rPr lang="de-DE" sz="4000" dirty="0">
+                <a:latin typeface="Candara" panose="020E0502030303020204" pitchFamily="34" charset="0"/>
+              </a:rPr>
+              <a:t>Policy Instruments -3</a:t>
+            </a:r>
+            <a:endParaRPr lang="en-GB" sz="4000" dirty="0">
+              <a:latin typeface="Candara" panose="020E0502030303020204" pitchFamily="34" charset="0"/>
+            </a:endParaRPr>
+          </a:p>
+        </p:txBody>
+      </p:sp>
+      <p:sp>
+        <p:nvSpPr>
+          <p:cNvPr id="3075" name="Rectangle 3"/>
+          <p:cNvSpPr>
+            <a:spLocks noGrp="1" noChangeArrowheads="1"/>
+          </p:cNvSpPr>
+          <p:nvPr>
+            <p:ph type="body" idx="1"/>
+          </p:nvPr>
+        </p:nvSpPr>
+        <p:spPr/>
+        <p:txBody>
+          <a:bodyPr/>
+          <a:lstStyle/>
+          <a:p>
+            <a:pPr eaLnBrk="1" hangingPunct="1"/>
+            <a:r>
+              <a:rPr lang="de-DE" dirty="0">
+                <a:latin typeface="Candara" panose="020E0502030303020204" pitchFamily="34" charset="0"/>
+              </a:rPr>
+              <a:t>Market power</a:t>
+            </a:r>
+          </a:p>
+          <a:p>
+            <a:pPr eaLnBrk="1" hangingPunct="1"/>
+            <a:r>
+              <a:rPr lang="de-DE" dirty="0">
+                <a:latin typeface="Candara" panose="020E0502030303020204" pitchFamily="34" charset="0"/>
+              </a:rPr>
+              <a:t>Adverse selection</a:t>
+            </a:r>
+          </a:p>
+          <a:p>
+            <a:pPr eaLnBrk="1" hangingPunct="1"/>
+            <a:r>
+              <a:rPr lang="de-DE" dirty="0">
+                <a:latin typeface="Candara" panose="020E0502030303020204" pitchFamily="34" charset="0"/>
+              </a:rPr>
+              <a:t>Enforcement</a:t>
+            </a:r>
+          </a:p>
+        </p:txBody>
+      </p:sp>
+    </p:spTree>
+    <p:extLst>
+      <p:ext uri="{BB962C8B-B14F-4D97-AF65-F5344CB8AC3E}">
+        <p14:creationId xmlns:p14="http://schemas.microsoft.com/office/powerpoint/2010/main" val="3933921155"/>
+      </p:ext>
+    </p:extLst>
+  </p:cSld>
+  <p:clrMapOvr>
+    <a:masterClrMapping/>
+  </p:clrMapOvr>
+</p:sld>
+</file>
+
+<file path=ppt/slides/slide4.xml><?xml version="1.0" encoding="utf-8"?>
 <p:sld xmlns:a="http://schemas.openxmlformats.org/drawingml/2006/main" xmlns:r="http://schemas.openxmlformats.org/officeDocument/2006/relationships" xmlns:p="http://schemas.openxmlformats.org/presentationml/2006/main">
   <p:cSld>
     <p:spTree>
@@ -8938,7 +9656,7 @@
 </p:sld>
 </file>
 
-<file path=ppt/slides/slide4.xml><?xml version="1.0" encoding="utf-8"?>
+<file path=ppt/slides/slide5.xml><?xml version="1.0" encoding="utf-8"?>
 <p:sld xmlns:a="http://schemas.openxmlformats.org/drawingml/2006/main" xmlns:r="http://schemas.openxmlformats.org/officeDocument/2006/relationships" xmlns:p="http://schemas.openxmlformats.org/presentationml/2006/main">
   <p:cSld>
     <p:spTree>
@@ -9843,7 +10561,7 @@
 </p:sld>
 </file>
 
-<file path=ppt/slides/slide5.xml><?xml version="1.0" encoding="utf-8"?>
+<file path=ppt/slides/slide6.xml><?xml version="1.0" encoding="utf-8"?>
 <p:sld xmlns:a="http://schemas.openxmlformats.org/drawingml/2006/main" xmlns:r="http://schemas.openxmlformats.org/officeDocument/2006/relationships" xmlns:p="http://schemas.openxmlformats.org/presentationml/2006/main">
   <p:cSld>
     <p:spTree>
@@ -10129,7 +10847,7 @@
 </p:sld>
 </file>
 
-<file path=ppt/slides/slide6.xml><?xml version="1.0" encoding="utf-8"?>
+<file path=ppt/slides/slide7.xml><?xml version="1.0" encoding="utf-8"?>
 <p:sld xmlns:a="http://schemas.openxmlformats.org/drawingml/2006/main" xmlns:r="http://schemas.openxmlformats.org/officeDocument/2006/relationships" xmlns:p="http://schemas.openxmlformats.org/presentationml/2006/main">
   <p:cSld>
     <p:spTree>
@@ -11146,7 +11864,7 @@
 </p:sld>
 </file>
 
-<file path=ppt/slides/slide7.xml><?xml version="1.0" encoding="utf-8"?>
+<file path=ppt/slides/slide8.xml><?xml version="1.0" encoding="utf-8"?>
 <p:sld xmlns:a="http://schemas.openxmlformats.org/drawingml/2006/main" xmlns:r="http://schemas.openxmlformats.org/officeDocument/2006/relationships" xmlns:p="http://schemas.openxmlformats.org/presentationml/2006/main">
   <p:cSld>
     <p:spTree>
@@ -11757,7 +12475,7 @@
 </p:sld>
 </file>
 
-<file path=ppt/slides/slide8.xml><?xml version="1.0" encoding="utf-8"?>
+<file path=ppt/slides/slide9.xml><?xml version="1.0" encoding="utf-8"?>
 <p:sld xmlns:a="http://schemas.openxmlformats.org/drawingml/2006/main" xmlns:r="http://schemas.openxmlformats.org/officeDocument/2006/relationships" xmlns:p="http://schemas.openxmlformats.org/presentationml/2006/main">
   <p:cSld>
     <p:spTree>
@@ -12485,418 +13203,6 @@
     <p:extLst>
       <p:ext uri="{BB962C8B-B14F-4D97-AF65-F5344CB8AC3E}">
         <p14:creationId xmlns:p14="http://schemas.microsoft.com/office/powerpoint/2010/main" val="36087115"/>
-      </p:ext>
-    </p:extLst>
-  </p:cSld>
-  <p:clrMapOvr>
-    <a:masterClrMapping/>
-  </p:clrMapOvr>
-</p:sld>
-</file>
-
-<file path=ppt/slides/slide9.xml><?xml version="1.0" encoding="utf-8"?>
-<p:sld xmlns:a="http://schemas.openxmlformats.org/drawingml/2006/main" xmlns:r="http://schemas.openxmlformats.org/officeDocument/2006/relationships" xmlns:p="http://schemas.openxmlformats.org/presentationml/2006/main">
-  <p:cSld>
-    <p:spTree>
-      <p:nvGrpSpPr>
-        <p:cNvPr id="1" name=""/>
-        <p:cNvGrpSpPr/>
-        <p:nvPr/>
-      </p:nvGrpSpPr>
-      <p:grpSpPr>
-        <a:xfrm>
-          <a:off x="0" y="0"/>
-          <a:ext cx="0" cy="0"/>
-          <a:chOff x="0" y="0"/>
-          <a:chExt cx="0" cy="0"/>
-        </a:xfrm>
-      </p:grpSpPr>
-      <p:sp>
-        <p:nvSpPr>
-          <p:cNvPr id="2" name="Title 1">
-            <a:extLst>
-              <a:ext uri="{FF2B5EF4-FFF2-40B4-BE49-F238E27FC236}">
-                <a16:creationId xmlns:a16="http://schemas.microsoft.com/office/drawing/2014/main" id="{86886737-B780-4BCE-9464-7982CBE5D748}"/>
-              </a:ext>
-            </a:extLst>
-          </p:cNvPr>
-          <p:cNvSpPr>
-            <a:spLocks noGrp="1"/>
-          </p:cNvSpPr>
-          <p:nvPr>
-            <p:ph type="title"/>
-          </p:nvPr>
-        </p:nvSpPr>
-        <p:spPr/>
-        <p:txBody>
-          <a:bodyPr/>
-          <a:lstStyle/>
-          <a:p>
-            <a:r>
-              <a:rPr lang="en-GB" dirty="0"/>
-              <a:t>Comparison</a:t>
-            </a:r>
-          </a:p>
-        </p:txBody>
-      </p:sp>
-      <mc:AlternateContent xmlns:mc="http://schemas.openxmlformats.org/markup-compatibility/2006" xmlns:a14="http://schemas.microsoft.com/office/drawing/2010/main">
-        <mc:Choice Requires="a14">
-          <p:sp>
-            <p:nvSpPr>
-              <p:cNvPr id="3" name="Content Placeholder 2">
-                <a:extLst>
-                  <a:ext uri="{FF2B5EF4-FFF2-40B4-BE49-F238E27FC236}">
-                    <a16:creationId xmlns:a16="http://schemas.microsoft.com/office/drawing/2014/main" id="{43EB6C69-6F95-45D4-ACB8-72A73FAD94A2}"/>
-                  </a:ext>
-                </a:extLst>
-              </p:cNvPr>
-              <p:cNvSpPr>
-                <a:spLocks noGrp="1"/>
-              </p:cNvSpPr>
-              <p:nvPr>
-                <p:ph idx="1"/>
-              </p:nvPr>
-            </p:nvSpPr>
-            <p:spPr>
-              <a:xfrm>
-                <a:off x="571500" y="1066800"/>
-                <a:ext cx="8001000" cy="4953000"/>
-              </a:xfrm>
-            </p:spPr>
-            <p:txBody>
-              <a:bodyPr/>
-              <a:lstStyle/>
-              <a:p>
-                <a:r>
-                  <a:rPr lang="en-GB" dirty="0"/>
-                  <a:t>Price-taker</a:t>
-                </a:r>
-              </a:p>
-              <a:p>
-                <a:pPr marL="0" indent="0" algn="ctr">
-                  <a:buNone/>
-                </a:pPr>
-                <a14:m>
-                  <m:oMathPara xmlns:m="http://schemas.openxmlformats.org/officeDocument/2006/math">
-                    <m:oMathParaPr>
-                      <m:jc m:val="centerGroup"/>
-                    </m:oMathParaPr>
-                    <m:oMath xmlns:m="http://schemas.openxmlformats.org/officeDocument/2006/math">
-                      <m:r>
-                        <a:rPr lang="en-GB" i="1">
-                          <a:latin typeface="Cambria Math" panose="02040503050406030204" pitchFamily="18" charset="0"/>
-                          <a:ea typeface="Cambria Math" panose="02040503050406030204" pitchFamily="18" charset="0"/>
-                        </a:rPr>
-                        <m:t>𝑞</m:t>
-                      </m:r>
-                      <m:r>
-                        <a:rPr lang="en-GB" i="1">
-                          <a:latin typeface="Cambria Math" panose="02040503050406030204" pitchFamily="18" charset="0"/>
-                          <a:ea typeface="Cambria Math" panose="02040503050406030204" pitchFamily="18" charset="0"/>
-                        </a:rPr>
-                        <m:t>=</m:t>
-                      </m:r>
-                      <m:f>
-                        <m:fPr>
-                          <m:ctrlPr>
-                            <a:rPr lang="en-GB" i="1">
-                              <a:latin typeface="Cambria Math" panose="02040503050406030204" pitchFamily="18" charset="0"/>
-                              <a:ea typeface="Cambria Math" panose="02040503050406030204" pitchFamily="18" charset="0"/>
-                            </a:rPr>
-                          </m:ctrlPr>
-                        </m:fPr>
-                        <m:num>
-                          <m:r>
-                            <a:rPr lang="en-GB" i="1">
-                              <a:latin typeface="Cambria Math" panose="02040503050406030204" pitchFamily="18" charset="0"/>
-                              <a:ea typeface="Cambria Math" panose="02040503050406030204" pitchFamily="18" charset="0"/>
-                            </a:rPr>
-                            <m:t>𝜋</m:t>
-                          </m:r>
-                          <m:r>
-                            <a:rPr lang="en-GB" i="1">
-                              <a:latin typeface="Cambria Math" panose="02040503050406030204" pitchFamily="18" charset="0"/>
-                              <a:ea typeface="Cambria Math" panose="02040503050406030204" pitchFamily="18" charset="0"/>
-                            </a:rPr>
-                            <m:t>−</m:t>
-                          </m:r>
-                          <m:r>
-                            <a:rPr lang="en-GB" i="1">
-                              <a:latin typeface="Cambria Math" panose="02040503050406030204" pitchFamily="18" charset="0"/>
-                              <a:ea typeface="Cambria Math" panose="02040503050406030204" pitchFamily="18" charset="0"/>
-                            </a:rPr>
-                            <m:t>𝜏</m:t>
-                          </m:r>
-                        </m:num>
-                        <m:den>
-                          <m:r>
-                            <a:rPr lang="en-GB" i="1">
-                              <a:latin typeface="Cambria Math" panose="02040503050406030204" pitchFamily="18" charset="0"/>
-                              <a:ea typeface="Cambria Math" panose="02040503050406030204" pitchFamily="18" charset="0"/>
-                            </a:rPr>
-                            <m:t>2</m:t>
-                          </m:r>
-                        </m:den>
-                      </m:f>
-                    </m:oMath>
-                  </m:oMathPara>
-                </a14:m>
-                <a:endParaRPr lang="en-GB" dirty="0"/>
-              </a:p>
-              <a:p>
-                <a:r>
-                  <a:rPr lang="en-GB" dirty="0"/>
-                  <a:t>Monopolist</a:t>
-                </a:r>
-              </a:p>
-              <a:p>
-                <a:pPr marL="0" indent="0">
-                  <a:buNone/>
-                </a:pPr>
-                <a14:m>
-                  <m:oMathPara xmlns:m="http://schemas.openxmlformats.org/officeDocument/2006/math">
-                    <m:oMathParaPr>
-                      <m:jc m:val="centerGroup"/>
-                    </m:oMathParaPr>
-                    <m:oMath xmlns:m="http://schemas.openxmlformats.org/officeDocument/2006/math">
-                      <m:r>
-                        <a:rPr lang="en-GB" i="1">
-                          <a:latin typeface="Cambria Math" panose="02040503050406030204" pitchFamily="18" charset="0"/>
-                          <a:ea typeface="Cambria Math" panose="02040503050406030204" pitchFamily="18" charset="0"/>
-                        </a:rPr>
-                        <m:t>𝑞</m:t>
-                      </m:r>
-                      <m:r>
-                        <a:rPr lang="en-GB" i="1">
-                          <a:latin typeface="Cambria Math" panose="02040503050406030204" pitchFamily="18" charset="0"/>
-                          <a:ea typeface="Cambria Math" panose="02040503050406030204" pitchFamily="18" charset="0"/>
-                        </a:rPr>
-                        <m:t>=</m:t>
-                      </m:r>
-                      <m:f>
-                        <m:fPr>
-                          <m:ctrlPr>
-                            <a:rPr lang="en-GB" i="1">
-                              <a:latin typeface="Cambria Math" panose="02040503050406030204" pitchFamily="18" charset="0"/>
-                              <a:ea typeface="Cambria Math" panose="02040503050406030204" pitchFamily="18" charset="0"/>
-                            </a:rPr>
-                          </m:ctrlPr>
-                        </m:fPr>
-                        <m:num>
-                          <m:r>
-                            <a:rPr lang="en-GB" i="1">
-                              <a:latin typeface="Cambria Math" panose="02040503050406030204" pitchFamily="18" charset="0"/>
-                              <a:ea typeface="Cambria Math" panose="02040503050406030204" pitchFamily="18" charset="0"/>
-                            </a:rPr>
-                            <m:t>𝜋</m:t>
-                          </m:r>
-                          <m:r>
-                            <a:rPr lang="en-GB" i="1">
-                              <a:latin typeface="Cambria Math" panose="02040503050406030204" pitchFamily="18" charset="0"/>
-                              <a:ea typeface="Cambria Math" panose="02040503050406030204" pitchFamily="18" charset="0"/>
-                            </a:rPr>
-                            <m:t>−</m:t>
-                          </m:r>
-                          <m:r>
-                            <a:rPr lang="en-GB" i="1">
-                              <a:latin typeface="Cambria Math" panose="02040503050406030204" pitchFamily="18" charset="0"/>
-                              <a:ea typeface="Cambria Math" panose="02040503050406030204" pitchFamily="18" charset="0"/>
-                            </a:rPr>
-                            <m:t>𝜏</m:t>
-                          </m:r>
-                        </m:num>
-                        <m:den>
-                          <m:r>
-                            <a:rPr lang="en-GB" i="1">
-                              <a:latin typeface="Cambria Math" panose="02040503050406030204" pitchFamily="18" charset="0"/>
-                              <a:ea typeface="Cambria Math" panose="02040503050406030204" pitchFamily="18" charset="0"/>
-                            </a:rPr>
-                            <m:t>3</m:t>
-                          </m:r>
-                        </m:den>
-                      </m:f>
-                    </m:oMath>
-                  </m:oMathPara>
-                </a14:m>
-                <a:endParaRPr lang="en-GB" dirty="0"/>
-              </a:p>
-              <a:p>
-                <a:r>
-                  <a:rPr lang="en-GB" dirty="0"/>
-                  <a:t>Pigou tax on perfect market</a:t>
-                </a:r>
-              </a:p>
-              <a:p>
-                <a:pPr marL="0" indent="0">
-                  <a:buNone/>
-                </a:pPr>
-                <a14:m>
-                  <m:oMathPara xmlns:m="http://schemas.openxmlformats.org/officeDocument/2006/math">
-                    <m:oMathParaPr>
-                      <m:jc m:val="centerGroup"/>
-                    </m:oMathParaPr>
-                    <m:oMath xmlns:m="http://schemas.openxmlformats.org/officeDocument/2006/math">
-                      <m:r>
-                        <a:rPr lang="en-GB" i="1" smtClean="0">
-                          <a:latin typeface="Cambria Math" panose="02040503050406030204" pitchFamily="18" charset="0"/>
-                          <a:ea typeface="Cambria Math" panose="02040503050406030204" pitchFamily="18" charset="0"/>
-                        </a:rPr>
-                        <m:t>𝜏</m:t>
-                      </m:r>
-                      <m:r>
-                        <a:rPr lang="en-GB" b="0" i="1" smtClean="0">
-                          <a:latin typeface="Cambria Math" panose="02040503050406030204" pitchFamily="18" charset="0"/>
-                          <a:ea typeface="Cambria Math" panose="02040503050406030204" pitchFamily="18" charset="0"/>
-                        </a:rPr>
-                        <m:t>=</m:t>
-                      </m:r>
-                      <m:r>
-                        <a:rPr lang="en-GB" b="0" i="1" smtClean="0">
-                          <a:latin typeface="Cambria Math" panose="02040503050406030204" pitchFamily="18" charset="0"/>
-                          <a:ea typeface="Cambria Math" panose="02040503050406030204" pitchFamily="18" charset="0"/>
-                        </a:rPr>
-                        <m:t>𝛿</m:t>
-                      </m:r>
-                    </m:oMath>
-                  </m:oMathPara>
-                </a14:m>
-                <a:endParaRPr lang="en-GB" dirty="0"/>
-              </a:p>
-              <a:p>
-                <a:r>
-                  <a:rPr lang="en-GB" dirty="0"/>
-                  <a:t>Optimal tax on monopolist</a:t>
-                </a:r>
-              </a:p>
-              <a:p>
-                <a:pPr marL="0" indent="0">
-                  <a:buNone/>
-                </a:pPr>
-                <a14:m>
-                  <m:oMathPara xmlns:m="http://schemas.openxmlformats.org/officeDocument/2006/math">
-                    <m:oMathParaPr>
-                      <m:jc m:val="centerGroup"/>
-                    </m:oMathParaPr>
-                    <m:oMath xmlns:m="http://schemas.openxmlformats.org/officeDocument/2006/math">
-                      <m:r>
-                        <a:rPr lang="en-GB" i="1">
-                          <a:latin typeface="Cambria Math" panose="02040503050406030204" pitchFamily="18" charset="0"/>
-                          <a:ea typeface="Cambria Math" panose="02040503050406030204" pitchFamily="18" charset="0"/>
-                        </a:rPr>
-                        <m:t>𝜏</m:t>
-                      </m:r>
-                      <m:r>
-                        <a:rPr lang="en-GB" i="1">
-                          <a:latin typeface="Cambria Math" panose="02040503050406030204" pitchFamily="18" charset="0"/>
-                          <a:ea typeface="Cambria Math" panose="02040503050406030204" pitchFamily="18" charset="0"/>
-                        </a:rPr>
-                        <m:t>=</m:t>
-                      </m:r>
-                      <m:f>
-                        <m:fPr>
-                          <m:ctrlPr>
-                            <a:rPr lang="en-GB" i="1" smtClean="0">
-                              <a:latin typeface="Cambria Math" panose="02040503050406030204" pitchFamily="18" charset="0"/>
-                              <a:ea typeface="Cambria Math" panose="02040503050406030204" pitchFamily="18" charset="0"/>
-                            </a:rPr>
-                          </m:ctrlPr>
-                        </m:fPr>
-                        <m:num>
-                          <m:r>
-                            <a:rPr lang="en-GB" b="0" i="1" smtClean="0">
-                              <a:latin typeface="Cambria Math" panose="02040503050406030204" pitchFamily="18" charset="0"/>
-                              <a:ea typeface="Cambria Math" panose="02040503050406030204" pitchFamily="18" charset="0"/>
-                            </a:rPr>
-                            <m:t>3</m:t>
-                          </m:r>
-                          <m:r>
-                            <a:rPr lang="en-GB" i="1">
-                              <a:latin typeface="Cambria Math" panose="02040503050406030204" pitchFamily="18" charset="0"/>
-                              <a:ea typeface="Cambria Math" panose="02040503050406030204" pitchFamily="18" charset="0"/>
-                            </a:rPr>
-                            <m:t>𝛿</m:t>
-                          </m:r>
-                          <m:r>
-                            <a:rPr lang="en-GB" b="0" i="1" smtClean="0">
-                              <a:latin typeface="Cambria Math" panose="02040503050406030204" pitchFamily="18" charset="0"/>
-                              <a:ea typeface="Cambria Math" panose="02040503050406030204" pitchFamily="18" charset="0"/>
-                            </a:rPr>
-                            <m:t>−</m:t>
-                          </m:r>
-                          <m:r>
-                            <a:rPr lang="en-GB" i="1">
-                              <a:latin typeface="Cambria Math" panose="02040503050406030204" pitchFamily="18" charset="0"/>
-                              <a:ea typeface="Cambria Math" panose="02040503050406030204" pitchFamily="18" charset="0"/>
-                            </a:rPr>
-                            <m:t>𝜋</m:t>
-                          </m:r>
-                        </m:num>
-                        <m:den>
-                          <m:r>
-                            <a:rPr lang="en-GB" b="0" i="1" smtClean="0">
-                              <a:latin typeface="Cambria Math" panose="02040503050406030204" pitchFamily="18" charset="0"/>
-                              <a:ea typeface="Cambria Math" panose="02040503050406030204" pitchFamily="18" charset="0"/>
-                            </a:rPr>
-                            <m:t>2</m:t>
-                          </m:r>
-                        </m:den>
-                      </m:f>
-                    </m:oMath>
-                  </m:oMathPara>
-                </a14:m>
-                <a:endParaRPr lang="en-GB" dirty="0"/>
-              </a:p>
-            </p:txBody>
-          </p:sp>
-        </mc:Choice>
-        <mc:Fallback xmlns="">
-          <p:sp>
-            <p:nvSpPr>
-              <p:cNvPr id="3" name="Content Placeholder 2">
-                <a:extLst>
-                  <a:ext uri="{FF2B5EF4-FFF2-40B4-BE49-F238E27FC236}">
-                    <a16:creationId xmlns:a16="http://schemas.microsoft.com/office/drawing/2014/main" xmlns:a14="http://schemas.microsoft.com/office/drawing/2010/main" xmlns="" id="{43EB6C69-6F95-45D4-ACB8-72A73FAD94A2}"/>
-                  </a:ext>
-                </a:extLst>
-              </p:cNvPr>
-              <p:cNvSpPr>
-                <a:spLocks noGrp="1" noRot="1" noChangeAspect="1" noMove="1" noResize="1" noEditPoints="1" noAdjustHandles="1" noChangeArrowheads="1" noChangeShapeType="1" noTextEdit="1"/>
-              </p:cNvSpPr>
-              <p:nvPr>
-                <p:ph idx="1"/>
-              </p:nvPr>
-            </p:nvSpPr>
-            <p:spPr>
-              <a:xfrm>
-                <a:off x="571500" y="1066800"/>
-                <a:ext cx="8001000" cy="4953000"/>
-              </a:xfrm>
-              <a:blipFill rotWithShape="0">
-                <a:blip r:embed="rId2"/>
-                <a:stretch>
-                  <a:fillRect l="-1601" t="-1353"/>
-                </a:stretch>
-              </a:blipFill>
-            </p:spPr>
-            <p:txBody>
-              <a:bodyPr/>
-              <a:lstStyle/>
-              <a:p>
-                <a:r>
-                  <a:rPr lang="en-GB">
-                    <a:noFill/>
-                  </a:rPr>
-                  <a:t> </a:t>
-                </a:r>
-              </a:p>
-            </p:txBody>
-          </p:sp>
-        </mc:Fallback>
-      </mc:AlternateContent>
-    </p:spTree>
-    <p:extLst>
-      <p:ext uri="{BB962C8B-B14F-4D97-AF65-F5344CB8AC3E}">
-        <p14:creationId xmlns:p14="http://schemas.microsoft.com/office/powerpoint/2010/main" val="3058368365"/>
       </p:ext>
     </p:extLst>
   </p:cSld>
